--- a/20180927/_bepug/meetup27092018-outro.pptx
+++ b/20180927/_bepug/meetup27092018-outro.pptx
@@ -8,12 +8,12 @@
     <p:sldId id="257" r:id="rId2"/>
     <p:sldId id="258" r:id="rId3"/>
     <p:sldId id="268" r:id="rId4"/>
-    <p:sldId id="265" r:id="rId5"/>
+    <p:sldId id="267" r:id="rId5"/>
     <p:sldId id="266" r:id="rId6"/>
-    <p:sldId id="267" r:id="rId7"/>
-    <p:sldId id="260" r:id="rId8"/>
-    <p:sldId id="261" r:id="rId9"/>
-    <p:sldId id="262" r:id="rId10"/>
+    <p:sldId id="260" r:id="rId7"/>
+    <p:sldId id="261" r:id="rId8"/>
+    <p:sldId id="262" r:id="rId9"/>
+    <p:sldId id="269" r:id="rId10"/>
     <p:sldId id="263" r:id="rId11"/>
     <p:sldId id="264" r:id="rId12"/>
   </p:sldIdLst>
@@ -2513,7 +2513,26 @@
           <a:bodyPr/>
           <a:lstStyle/>
           <a:p>
-            <a:endParaRPr lang="en-US" dirty="0"/>
+            <a:r>
+              <a:rPr lang="en-US" dirty="0"/>
+              <a:t>Give me 3 ways to </a:t>
+            </a:r>
+            <a:r>
+              <a:rPr lang="en-US" dirty="0" err="1"/>
+              <a:t>acces</a:t>
+            </a:r>
+            <a:r>
+              <a:rPr lang="en-US" dirty="0"/>
+              <a:t> </a:t>
+            </a:r>
+            <a:r>
+              <a:rPr lang="en-US" dirty="0" err="1"/>
+              <a:t>cloudshell</a:t>
+            </a:r>
+            <a:r>
+              <a:rPr lang="en-US" dirty="0"/>
+              <a:t>	</a:t>
+            </a:r>
           </a:p>
         </p:txBody>
       </p:sp>
@@ -2534,7 +2553,18 @@
           </a:bodyPr>
           <a:lstStyle/>
           <a:p>
-            <a:endParaRPr lang="en-US" sz="3200" dirty="0"/>
+            <a:r>
+              <a:rPr lang="en-US" sz="3600" dirty="0"/>
+              <a:t>Azure.com, docs.Microsoft.com (try me) and </a:t>
+            </a:r>
+            <a:r>
+              <a:rPr lang="en-US" sz="3600" dirty="0" err="1"/>
+              <a:t>VSCode</a:t>
+            </a:r>
+            <a:r>
+              <a:rPr lang="en-US" sz="3600" dirty="0"/>
+              <a:t> plugins</a:t>
+            </a:r>
           </a:p>
         </p:txBody>
       </p:sp>
@@ -2569,15 +2599,10 @@
                             </p:stCondLst>
                             <p:childTnLst>
                               <p:par>
-                                <p:cTn id="5" presetID="1" presetClass="entr" presetSubtype="0" fill="hold" grpId="0" nodeType="clickEffect" nodePh="1">
+                                <p:cTn id="5" presetID="1" presetClass="entr" presetSubtype="0" fill="hold" grpId="0" nodeType="clickEffect">
                                   <p:stCondLst>
                                     <p:cond delay="0"/>
                                   </p:stCondLst>
-                                  <p:endCondLst>
-                                    <p:cond evt="begin" delay="0">
-                                      <p:tn val="5"/>
-                                    </p:cond>
-                                  </p:endCondLst>
                                   <p:childTnLst>
                                     <p:set>
                                       <p:cBhvr>
@@ -3050,10 +3075,40 @@
           </a:p>
         </p:txBody>
       </p:sp>
+      <p:pic>
+        <p:nvPicPr>
+          <p:cNvPr id="4" name="Picture 3">
+            <a:extLst>
+              <a:ext uri="{FF2B5EF4-FFF2-40B4-BE49-F238E27FC236}">
+                <a16:creationId xmlns:a16="http://schemas.microsoft.com/office/drawing/2014/main" id="{855A77C0-D6EC-4BF2-962E-B1252750AB84}"/>
+              </a:ext>
+            </a:extLst>
+          </p:cNvPr>
+          <p:cNvPicPr>
+            <a:picLocks noChangeAspect="1"/>
+          </p:cNvPicPr>
+          <p:nvPr/>
+        </p:nvPicPr>
+        <p:blipFill>
+          <a:blip r:embed="rId2"/>
+          <a:stretch>
+            <a:fillRect/>
+          </a:stretch>
+        </p:blipFill>
+        <p:spPr>
+          <a:xfrm>
+            <a:off x="-31772" y="1280160"/>
+            <a:ext cx="12223772" cy="7390614"/>
+          </a:xfrm>
+          <a:prstGeom prst="rect">
+            <a:avLst/>
+          </a:prstGeom>
+        </p:spPr>
+      </p:pic>
     </p:spTree>
     <p:extLst>
       <p:ext uri="{BB962C8B-B14F-4D97-AF65-F5344CB8AC3E}">
-        <p14:creationId xmlns:p14="http://schemas.microsoft.com/office/powerpoint/2010/main" val="2571777670"/>
+        <p14:creationId xmlns:p14="http://schemas.microsoft.com/office/powerpoint/2010/main" val="68552331"/>
       </p:ext>
     </p:extLst>
   </p:cSld>
@@ -3187,92 +3242,6 @@
 </file>
 
 <file path=ppt/slides/slide6.xml><?xml version="1.0" encoding="utf-8"?>
-<p:sld xmlns:a="http://schemas.openxmlformats.org/drawingml/2006/main" xmlns:r="http://schemas.openxmlformats.org/officeDocument/2006/relationships" xmlns:p="http://schemas.openxmlformats.org/presentationml/2006/main">
-  <p:cSld>
-    <p:spTree>
-      <p:nvGrpSpPr>
-        <p:cNvPr id="1" name=""/>
-        <p:cNvGrpSpPr/>
-        <p:nvPr/>
-      </p:nvGrpSpPr>
-      <p:grpSpPr>
-        <a:xfrm>
-          <a:off x="0" y="0"/>
-          <a:ext cx="0" cy="0"/>
-          <a:chOff x="0" y="0"/>
-          <a:chExt cx="0" cy="0"/>
-        </a:xfrm>
-      </p:grpSpPr>
-      <p:sp>
-        <p:nvSpPr>
-          <p:cNvPr id="2" name="Title 1">
-            <a:extLst>
-              <a:ext uri="{FF2B5EF4-FFF2-40B4-BE49-F238E27FC236}">
-                <a16:creationId xmlns:a16="http://schemas.microsoft.com/office/drawing/2014/main" id="{B782BC83-9B0B-4EE5-8284-A9F28C1043AC}"/>
-              </a:ext>
-            </a:extLst>
-          </p:cNvPr>
-          <p:cNvSpPr>
-            <a:spLocks noGrp="1"/>
-          </p:cNvSpPr>
-          <p:nvPr>
-            <p:ph type="title"/>
-          </p:nvPr>
-        </p:nvSpPr>
-        <p:spPr/>
-        <p:txBody>
-          <a:bodyPr/>
-          <a:lstStyle/>
-          <a:p>
-            <a:r>
-              <a:rPr lang="en-US" dirty="0"/>
-              <a:t>Bepug.github.io</a:t>
-            </a:r>
-          </a:p>
-        </p:txBody>
-      </p:sp>
-      <p:sp>
-        <p:nvSpPr>
-          <p:cNvPr id="3" name="Content Placeholder 2">
-            <a:extLst>
-              <a:ext uri="{FF2B5EF4-FFF2-40B4-BE49-F238E27FC236}">
-                <a16:creationId xmlns:a16="http://schemas.microsoft.com/office/drawing/2014/main" id="{A6225412-8D06-4877-981D-F5BA3F887036}"/>
-              </a:ext>
-            </a:extLst>
-          </p:cNvPr>
-          <p:cNvSpPr>
-            <a:spLocks noGrp="1"/>
-          </p:cNvSpPr>
-          <p:nvPr>
-            <p:ph idx="1"/>
-          </p:nvPr>
-        </p:nvSpPr>
-        <p:spPr/>
-        <p:txBody>
-          <a:bodyPr/>
-          <a:lstStyle/>
-          <a:p>
-            <a:pPr marL="0" lvl="0" indent="0">
-              <a:buNone/>
-            </a:pPr>
-            <a:endParaRPr lang="en-US" dirty="0"/>
-          </a:p>
-        </p:txBody>
-      </p:sp>
-    </p:spTree>
-    <p:extLst>
-      <p:ext uri="{BB962C8B-B14F-4D97-AF65-F5344CB8AC3E}">
-        <p14:creationId xmlns:p14="http://schemas.microsoft.com/office/powerpoint/2010/main" val="68552331"/>
-      </p:ext>
-    </p:extLst>
-  </p:cSld>
-  <p:clrMapOvr>
-    <a:masterClrMapping/>
-  </p:clrMapOvr>
-</p:sld>
-</file>
-
-<file path=ppt/slides/slide7.xml><?xml version="1.0" encoding="utf-8"?>
 <p:sld xmlns:a="http://schemas.openxmlformats.org/drawingml/2006/main" xmlns:r="http://schemas.openxmlformats.org/officeDocument/2006/relationships" xmlns:p="http://schemas.openxmlformats.org/presentationml/2006/main">
   <p:cSld>
     <p:spTree>
@@ -3474,7 +3443,7 @@
 </p:sld>
 </file>
 
-<file path=ppt/slides/slide8.xml><?xml version="1.0" encoding="utf-8"?>
+<file path=ppt/slides/slide7.xml><?xml version="1.0" encoding="utf-8"?>
 <p:sld xmlns:a="http://schemas.openxmlformats.org/drawingml/2006/main" xmlns:r="http://schemas.openxmlformats.org/officeDocument/2006/relationships" xmlns:p="http://schemas.openxmlformats.org/presentationml/2006/main">
   <p:cSld>
     <p:spTree>
@@ -3503,10 +3472,23 @@
         </p:nvSpPr>
         <p:spPr/>
         <p:txBody>
-          <a:bodyPr/>
+          <a:bodyPr>
+            <a:normAutofit fontScale="90000"/>
+          </a:bodyPr>
           <a:lstStyle/>
           <a:p>
-            <a:endParaRPr lang="en-US" dirty="0"/>
+            <a:r>
+              <a:rPr lang="en-US" dirty="0"/>
+              <a:t>How many functions are included in Chrissy’s massive </a:t>
+            </a:r>
+            <a:r>
+              <a:rPr lang="en-US" dirty="0" err="1"/>
+              <a:t>dbatools</a:t>
+            </a:r>
+            <a:r>
+              <a:rPr lang="en-US" dirty="0"/>
+              <a:t> module in the latest release (0.9.435)?</a:t>
+            </a:r>
           </a:p>
         </p:txBody>
       </p:sp>
@@ -3522,10 +3504,15 @@
         </p:nvSpPr>
         <p:spPr/>
         <p:txBody>
-          <a:bodyPr/>
+          <a:bodyPr>
+            <a:normAutofit/>
+          </a:bodyPr>
           <a:lstStyle/>
           <a:p>
-            <a:endParaRPr lang="en-US" i="1" dirty="0"/>
+            <a:r>
+              <a:rPr lang="en-US" sz="6600" i="1" dirty="0"/>
+              <a:t>438</a:t>
+            </a:r>
           </a:p>
         </p:txBody>
       </p:sp>
@@ -3560,15 +3547,10 @@
                             </p:stCondLst>
                             <p:childTnLst>
                               <p:par>
-                                <p:cTn id="5" presetID="1" presetClass="entr" presetSubtype="0" fill="hold" grpId="0" nodeType="clickEffect" nodePh="1">
+                                <p:cTn id="5" presetID="1" presetClass="entr" presetSubtype="0" fill="hold" grpId="0" nodeType="clickEffect">
                                   <p:stCondLst>
                                     <p:cond delay="0"/>
                                   </p:stCondLst>
-                                  <p:endCondLst>
-                                    <p:cond evt="begin" delay="0">
-                                      <p:tn val="5"/>
-                                    </p:cond>
-                                  </p:endCondLst>
                                   <p:childTnLst>
                                     <p:set>
                                       <p:cBhvr>
@@ -3629,7 +3611,7 @@
 </p:sld>
 </file>
 
-<file path=ppt/slides/slide9.xml><?xml version="1.0" encoding="utf-8"?>
+<file path=ppt/slides/slide8.xml><?xml version="1.0" encoding="utf-8"?>
 <p:sld xmlns:a="http://schemas.openxmlformats.org/drawingml/2006/main" xmlns:r="http://schemas.openxmlformats.org/officeDocument/2006/relationships" xmlns:p="http://schemas.openxmlformats.org/presentationml/2006/main">
   <p:cSld>
     <p:spTree>
@@ -3661,7 +3643,26 @@
           <a:bodyPr/>
           <a:lstStyle/>
           <a:p>
-            <a:endParaRPr lang="en-US" dirty="0"/>
+            <a:r>
+              <a:rPr lang="en-US" dirty="0"/>
+              <a:t>Why does enter-</a:t>
+            </a:r>
+            <a:r>
+              <a:rPr lang="en-US" dirty="0" err="1"/>
+              <a:t>pssession</a:t>
+            </a:r>
+            <a:r>
+              <a:rPr lang="en-US" dirty="0"/>
+              <a:t> | disconnect-</a:t>
+            </a:r>
+            <a:r>
+              <a:rPr lang="en-US" dirty="0" err="1"/>
+              <a:t>pssession</a:t>
+            </a:r>
+            <a:r>
+              <a:rPr lang="en-US" dirty="0"/>
+              <a:t> not work every time?</a:t>
+            </a:r>
           </a:p>
         </p:txBody>
       </p:sp>
@@ -3677,10 +3678,31 @@
         </p:nvSpPr>
         <p:spPr/>
         <p:txBody>
-          <a:bodyPr/>
+          <a:bodyPr>
+            <a:normAutofit/>
+          </a:bodyPr>
           <a:lstStyle/>
           <a:p>
-            <a:endParaRPr lang="en-US" dirty="0"/>
+            <a:r>
+              <a:rPr lang="en-US" sz="3600" dirty="0"/>
+              <a:t>Disconnect-</a:t>
+            </a:r>
+            <a:r>
+              <a:rPr lang="en-US" sz="3600" dirty="0" err="1"/>
+              <a:t>pssession</a:t>
+            </a:r>
+            <a:r>
+              <a:rPr lang="en-US" sz="3600" dirty="0"/>
+              <a:t> does only work when you used new-</a:t>
+            </a:r>
+            <a:r>
+              <a:rPr lang="en-US" sz="3600" dirty="0" err="1"/>
+              <a:t>pssession</a:t>
+            </a:r>
+            <a:r>
+              <a:rPr lang="en-US" sz="3600" dirty="0"/>
+              <a:t>.</a:t>
+            </a:r>
           </a:p>
         </p:txBody>
       </p:sp>
@@ -3715,15 +3737,168 @@
                             </p:stCondLst>
                             <p:childTnLst>
                               <p:par>
-                                <p:cTn id="5" presetID="1" presetClass="entr" presetSubtype="0" fill="hold" grpId="0" nodeType="clickEffect" nodePh="1">
+                                <p:cTn id="5" presetID="1" presetClass="entr" presetSubtype="0" fill="hold" grpId="0" nodeType="clickEffect">
                                   <p:stCondLst>
                                     <p:cond delay="0"/>
                                   </p:stCondLst>
-                                  <p:endCondLst>
-                                    <p:cond evt="begin" delay="0">
-                                      <p:tn val="5"/>
-                                    </p:cond>
-                                  </p:endCondLst>
+                                  <p:childTnLst>
+                                    <p:set>
+                                      <p:cBhvr>
+                                        <p:cTn id="6" dur="1" fill="hold">
+                                          <p:stCondLst>
+                                            <p:cond delay="0"/>
+                                          </p:stCondLst>
+                                        </p:cTn>
+                                        <p:tgtEl>
+                                          <p:spTgt spid="3">
+                                            <p:txEl>
+                                              <p:pRg st="0" end="0"/>
+                                            </p:txEl>
+                                          </p:spTgt>
+                                        </p:tgtEl>
+                                        <p:attrNameLst>
+                                          <p:attrName>style.visibility</p:attrName>
+                                        </p:attrNameLst>
+                                      </p:cBhvr>
+                                      <p:to>
+                                        <p:strVal val="visible"/>
+                                      </p:to>
+                                    </p:set>
+                                  </p:childTnLst>
+                                </p:cTn>
+                              </p:par>
+                            </p:childTnLst>
+                          </p:cTn>
+                        </p:par>
+                      </p:childTnLst>
+                    </p:cTn>
+                  </p:par>
+                </p:childTnLst>
+              </p:cTn>
+              <p:prevCondLst>
+                <p:cond evt="onPrev" delay="0">
+                  <p:tgtEl>
+                    <p:sldTgt/>
+                  </p:tgtEl>
+                </p:cond>
+              </p:prevCondLst>
+              <p:nextCondLst>
+                <p:cond evt="onNext" delay="0">
+                  <p:tgtEl>
+                    <p:sldTgt/>
+                  </p:tgtEl>
+                </p:cond>
+              </p:nextCondLst>
+            </p:seq>
+          </p:childTnLst>
+        </p:cTn>
+      </p:par>
+    </p:tnLst>
+    <p:bldLst>
+      <p:bldP spid="3" grpId="0" build="p"/>
+    </p:bldLst>
+  </p:timing>
+</p:sld>
+</file>
+
+<file path=ppt/slides/slide9.xml><?xml version="1.0" encoding="utf-8"?>
+<p:sld xmlns:a="http://schemas.openxmlformats.org/drawingml/2006/main" xmlns:r="http://schemas.openxmlformats.org/officeDocument/2006/relationships" xmlns:p="http://schemas.openxmlformats.org/presentationml/2006/main">
+  <p:cSld>
+    <p:spTree>
+      <p:nvGrpSpPr>
+        <p:cNvPr id="1" name=""/>
+        <p:cNvGrpSpPr/>
+        <p:nvPr/>
+      </p:nvGrpSpPr>
+      <p:grpSpPr>
+        <a:xfrm>
+          <a:off x="0" y="0"/>
+          <a:ext cx="0" cy="0"/>
+          <a:chOff x="0" y="0"/>
+          <a:chExt cx="0" cy="0"/>
+        </a:xfrm>
+      </p:grpSpPr>
+      <p:sp>
+        <p:nvSpPr>
+          <p:cNvPr id="2" name="Title 1"/>
+          <p:cNvSpPr>
+            <a:spLocks noGrp="1"/>
+          </p:cNvSpPr>
+          <p:nvPr>
+            <p:ph type="title"/>
+          </p:nvPr>
+        </p:nvSpPr>
+        <p:spPr/>
+        <p:txBody>
+          <a:bodyPr/>
+          <a:lstStyle/>
+          <a:p>
+            <a:r>
+              <a:rPr lang="en-US" dirty="0"/>
+              <a:t>Give me the 3 cmdlets PowerShell is all about</a:t>
+            </a:r>
+          </a:p>
+        </p:txBody>
+      </p:sp>
+      <p:sp>
+        <p:nvSpPr>
+          <p:cNvPr id="3" name="Text Placeholder 2"/>
+          <p:cNvSpPr>
+            <a:spLocks noGrp="1"/>
+          </p:cNvSpPr>
+          <p:nvPr>
+            <p:ph type="body" idx="1"/>
+          </p:nvPr>
+        </p:nvSpPr>
+        <p:spPr/>
+        <p:txBody>
+          <a:bodyPr>
+            <a:normAutofit/>
+          </a:bodyPr>
+          <a:lstStyle/>
+          <a:p>
+            <a:r>
+              <a:rPr lang="en-US" sz="4000" dirty="0"/>
+              <a:t>Get-help, get-command, get-member</a:t>
+            </a:r>
+          </a:p>
+        </p:txBody>
+      </p:sp>
+    </p:spTree>
+    <p:extLst>
+      <p:ext uri="{BB962C8B-B14F-4D97-AF65-F5344CB8AC3E}">
+        <p14:creationId xmlns:p14="http://schemas.microsoft.com/office/powerpoint/2010/main" val="3376996848"/>
+      </p:ext>
+    </p:extLst>
+  </p:cSld>
+  <p:clrMapOvr>
+    <a:masterClrMapping/>
+  </p:clrMapOvr>
+  <p:timing>
+    <p:tnLst>
+      <p:par>
+        <p:cTn id="1" dur="indefinite" restart="never" nodeType="tmRoot">
+          <p:childTnLst>
+            <p:seq concurrent="1" nextAc="seek">
+              <p:cTn id="2" dur="indefinite" nodeType="mainSeq">
+                <p:childTnLst>
+                  <p:par>
+                    <p:cTn id="3" fill="hold">
+                      <p:stCondLst>
+                        <p:cond delay="indefinite"/>
+                      </p:stCondLst>
+                      <p:childTnLst>
+                        <p:par>
+                          <p:cTn id="4" fill="hold">
+                            <p:stCondLst>
+                              <p:cond delay="0"/>
+                            </p:stCondLst>
+                            <p:childTnLst>
+                              <p:par>
+                                <p:cTn id="5" presetID="1" presetClass="entr" presetSubtype="0" fill="hold" grpId="0" nodeType="clickEffect">
+                                  <p:stCondLst>
+                                    <p:cond delay="0"/>
+                                  </p:stCondLst>
                                   <p:childTnLst>
                                     <p:set>
                                       <p:cBhvr>
